--- a/Write up/Methods_overview_figure.pptx
+++ b/Write up/Methods_overview_figure.pptx
@@ -105,6 +105,11 @@
       </a:defRPr>
     </a:lvl9pPr>
   </p:defaultTextStyle>
+  <p:extLst>
+    <p:ext uri="{EFAFB233-063F-42B5-8137-9DF3F51BA10A}">
+      <p15:sldGuideLst xmlns:p15="http://schemas.microsoft.com/office/powerpoint/2012/main"/>
+    </p:ext>
+  </p:extLst>
 </p:presentation>
 </file>
 
@@ -239,7 +244,7 @@
           <a:p>
             <a:fld id="{FBFA8D8D-4A80-4442-AAA3-271B72050027}" type="datetimeFigureOut">
               <a:rPr lang="en-GB" smtClean="0"/>
-              <a:t>15/07/2021</a:t>
+              <a:t>27/09/2021</a:t>
             </a:fld>
             <a:endParaRPr lang="en-GB"/>
           </a:p>
@@ -409,7 +414,7 @@
           <a:p>
             <a:fld id="{FBFA8D8D-4A80-4442-AAA3-271B72050027}" type="datetimeFigureOut">
               <a:rPr lang="en-GB" smtClean="0"/>
-              <a:t>15/07/2021</a:t>
+              <a:t>27/09/2021</a:t>
             </a:fld>
             <a:endParaRPr lang="en-GB"/>
           </a:p>
@@ -589,7 +594,7 @@
           <a:p>
             <a:fld id="{FBFA8D8D-4A80-4442-AAA3-271B72050027}" type="datetimeFigureOut">
               <a:rPr lang="en-GB" smtClean="0"/>
-              <a:t>15/07/2021</a:t>
+              <a:t>27/09/2021</a:t>
             </a:fld>
             <a:endParaRPr lang="en-GB"/>
           </a:p>
@@ -759,7 +764,7 @@
           <a:p>
             <a:fld id="{FBFA8D8D-4A80-4442-AAA3-271B72050027}" type="datetimeFigureOut">
               <a:rPr lang="en-GB" smtClean="0"/>
-              <a:t>15/07/2021</a:t>
+              <a:t>27/09/2021</a:t>
             </a:fld>
             <a:endParaRPr lang="en-GB"/>
           </a:p>
@@ -1005,7 +1010,7 @@
           <a:p>
             <a:fld id="{FBFA8D8D-4A80-4442-AAA3-271B72050027}" type="datetimeFigureOut">
               <a:rPr lang="en-GB" smtClean="0"/>
-              <a:t>15/07/2021</a:t>
+              <a:t>27/09/2021</a:t>
             </a:fld>
             <a:endParaRPr lang="en-GB"/>
           </a:p>
@@ -1237,7 +1242,7 @@
           <a:p>
             <a:fld id="{FBFA8D8D-4A80-4442-AAA3-271B72050027}" type="datetimeFigureOut">
               <a:rPr lang="en-GB" smtClean="0"/>
-              <a:t>15/07/2021</a:t>
+              <a:t>27/09/2021</a:t>
             </a:fld>
             <a:endParaRPr lang="en-GB"/>
           </a:p>
@@ -1604,7 +1609,7 @@
           <a:p>
             <a:fld id="{FBFA8D8D-4A80-4442-AAA3-271B72050027}" type="datetimeFigureOut">
               <a:rPr lang="en-GB" smtClean="0"/>
-              <a:t>15/07/2021</a:t>
+              <a:t>27/09/2021</a:t>
             </a:fld>
             <a:endParaRPr lang="en-GB"/>
           </a:p>
@@ -1722,7 +1727,7 @@
           <a:p>
             <a:fld id="{FBFA8D8D-4A80-4442-AAA3-271B72050027}" type="datetimeFigureOut">
               <a:rPr lang="en-GB" smtClean="0"/>
-              <a:t>15/07/2021</a:t>
+              <a:t>27/09/2021</a:t>
             </a:fld>
             <a:endParaRPr lang="en-GB"/>
           </a:p>
@@ -1817,7 +1822,7 @@
           <a:p>
             <a:fld id="{FBFA8D8D-4A80-4442-AAA3-271B72050027}" type="datetimeFigureOut">
               <a:rPr lang="en-GB" smtClean="0"/>
-              <a:t>15/07/2021</a:t>
+              <a:t>27/09/2021</a:t>
             </a:fld>
             <a:endParaRPr lang="en-GB"/>
           </a:p>
@@ -2094,7 +2099,7 @@
           <a:p>
             <a:fld id="{FBFA8D8D-4A80-4442-AAA3-271B72050027}" type="datetimeFigureOut">
               <a:rPr lang="en-GB" smtClean="0"/>
-              <a:t>15/07/2021</a:t>
+              <a:t>27/09/2021</a:t>
             </a:fld>
             <a:endParaRPr lang="en-GB"/>
           </a:p>
@@ -2351,7 +2356,7 @@
           <a:p>
             <a:fld id="{FBFA8D8D-4A80-4442-AAA3-271B72050027}" type="datetimeFigureOut">
               <a:rPr lang="en-GB" smtClean="0"/>
-              <a:t>15/07/2021</a:t>
+              <a:t>27/09/2021</a:t>
             </a:fld>
             <a:endParaRPr lang="en-GB"/>
           </a:p>
@@ -2564,7 +2569,7 @@
           <a:p>
             <a:fld id="{FBFA8D8D-4A80-4442-AAA3-271B72050027}" type="datetimeFigureOut">
               <a:rPr lang="en-GB" smtClean="0"/>
-              <a:t>15/07/2021</a:t>
+              <a:t>27/09/2021</a:t>
             </a:fld>
             <a:endParaRPr lang="en-GB"/>
           </a:p>
@@ -2983,7 +2988,7 @@
         </p:nvSpPr>
         <p:spPr>
           <a:xfrm>
-            <a:off x="-4158311" y="0"/>
+            <a:off x="205141" y="0"/>
             <a:ext cx="2574524" cy="369332"/>
           </a:xfrm>
           <a:prstGeom prst="rect">
@@ -3025,7 +3030,7 @@
         </p:nvSpPr>
         <p:spPr>
           <a:xfrm>
-            <a:off x="-4167188" y="6488668"/>
+            <a:off x="196264" y="6488668"/>
             <a:ext cx="2574524" cy="369332"/>
           </a:xfrm>
           <a:prstGeom prst="rect">
@@ -3117,7 +3122,7 @@
         </p:nvSpPr>
         <p:spPr>
           <a:xfrm>
-            <a:off x="-3847597" y="976543"/>
+            <a:off x="515855" y="976543"/>
             <a:ext cx="2183908" cy="369332"/>
           </a:xfrm>
           <a:prstGeom prst="rect">
@@ -3160,7 +3165,7 @@
         </p:nvSpPr>
         <p:spPr>
           <a:xfrm>
-            <a:off x="-3847597" y="2298947"/>
+            <a:off x="515855" y="2298947"/>
             <a:ext cx="2707690" cy="369332"/>
           </a:xfrm>
           <a:prstGeom prst="rect">
@@ -3378,8 +3383,8 @@
         </p:nvCxnSpPr>
         <p:spPr>
           <a:xfrm>
-            <a:off x="-1663689" y="1161209"/>
-            <a:ext cx="5597973" cy="0"/>
+            <a:off x="2699763" y="1161209"/>
+            <a:ext cx="1234521" cy="0"/>
           </a:xfrm>
           <a:prstGeom prst="straightConnector1">
             <a:avLst/>
@@ -3564,7 +3569,7 @@
         </p:nvSpPr>
         <p:spPr>
           <a:xfrm>
-            <a:off x="-3883102" y="3750067"/>
+            <a:off x="480350" y="3750067"/>
             <a:ext cx="1837678" cy="369332"/>
           </a:xfrm>
           <a:prstGeom prst="rect">
@@ -3607,7 +3612,7 @@
         </p:nvSpPr>
         <p:spPr>
           <a:xfrm>
-            <a:off x="-3883102" y="4589502"/>
+            <a:off x="480350" y="4589502"/>
             <a:ext cx="1837678" cy="369332"/>
           </a:xfrm>
           <a:prstGeom prst="rect">
@@ -3650,7 +3655,7 @@
         </p:nvSpPr>
         <p:spPr>
           <a:xfrm>
-            <a:off x="-3887544" y="5424670"/>
+            <a:off x="475908" y="5424670"/>
             <a:ext cx="1837678" cy="646331"/>
           </a:xfrm>
           <a:prstGeom prst="rect">
@@ -3954,8 +3959,8 @@
         </p:nvCxnSpPr>
         <p:spPr>
           <a:xfrm flipV="1">
-            <a:off x="-2045424" y="3933009"/>
-            <a:ext cx="6059610" cy="1724"/>
+            <a:off x="2318028" y="3933009"/>
+            <a:ext cx="1696158" cy="1724"/>
           </a:xfrm>
           <a:prstGeom prst="straightConnector1">
             <a:avLst/>
@@ -4047,7 +4052,7 @@
         </p:nvCxnSpPr>
         <p:spPr>
           <a:xfrm flipV="1">
-            <a:off x="-2049866" y="4769449"/>
+            <a:off x="2249415" y="4769449"/>
             <a:ext cx="1892423" cy="1724"/>
           </a:xfrm>
           <a:prstGeom prst="straightConnector1">
@@ -4139,7 +4144,7 @@
         </p:nvCxnSpPr>
         <p:spPr>
           <a:xfrm flipV="1">
-            <a:off x="-2049866" y="5747835"/>
+            <a:off x="2249415" y="5747835"/>
             <a:ext cx="1892423" cy="1724"/>
           </a:xfrm>
           <a:prstGeom prst="straightConnector1">
@@ -4426,7 +4431,7 @@
             <a:pPr algn="ctr"/>
             <a:r>
               <a:rPr lang="en-GB" sz="675" dirty="0"/>
-              <a:t>Change in forest cover response</a:t>
+              <a:t>Change in forest cover </a:t>
             </a:r>
           </a:p>
         </p:txBody>
@@ -4472,7 +4477,7 @@
             <a:pPr algn="ctr"/>
             <a:r>
               <a:rPr lang="en-GB" sz="675" dirty="0"/>
-              <a:t>New land concessions response</a:t>
+              <a:t>New land concessions </a:t>
             </a:r>
           </a:p>
         </p:txBody>
@@ -6413,6 +6418,110 @@
           </a:fontRef>
         </p:style>
       </p:cxnSp>
+      <p:sp>
+        <p:nvSpPr>
+          <p:cNvPr id="14" name="Oval 13">
+            <a:extLst>
+              <a:ext uri="{FF2B5EF4-FFF2-40B4-BE49-F238E27FC236}">
+                <a16:creationId xmlns:a16="http://schemas.microsoft.com/office/drawing/2014/main" id="{D3A7B67C-E043-4194-B336-A6DD4E9520AE}"/>
+              </a:ext>
+            </a:extLst>
+          </p:cNvPr>
+          <p:cNvSpPr/>
+          <p:nvPr/>
+        </p:nvSpPr>
+        <p:spPr>
+          <a:xfrm>
+            <a:off x="7195930" y="2296487"/>
+            <a:ext cx="785712" cy="677300"/>
+          </a:xfrm>
+          <a:prstGeom prst="ellipse">
+            <a:avLst/>
+          </a:prstGeom>
+          <a:noFill/>
+          <a:ln>
+            <a:solidFill>
+              <a:srgbClr val="FF0000"/>
+            </a:solidFill>
+          </a:ln>
+        </p:spPr>
+        <p:style>
+          <a:lnRef idx="2">
+            <a:schemeClr val="accent1">
+              <a:shade val="50000"/>
+            </a:schemeClr>
+          </a:lnRef>
+          <a:fillRef idx="1">
+            <a:schemeClr val="accent1"/>
+          </a:fillRef>
+          <a:effectRef idx="0">
+            <a:schemeClr val="accent1"/>
+          </a:effectRef>
+          <a:fontRef idx="minor">
+            <a:schemeClr val="lt1"/>
+          </a:fontRef>
+        </p:style>
+        <p:txBody>
+          <a:bodyPr rtlCol="0" anchor="ctr"/>
+          <a:lstStyle/>
+          <a:p>
+            <a:pPr algn="ctr"/>
+            <a:endParaRPr lang="en-GB"/>
+          </a:p>
+        </p:txBody>
+      </p:sp>
+      <p:sp>
+        <p:nvSpPr>
+          <p:cNvPr id="57" name="Oval 56">
+            <a:extLst>
+              <a:ext uri="{FF2B5EF4-FFF2-40B4-BE49-F238E27FC236}">
+                <a16:creationId xmlns:a16="http://schemas.microsoft.com/office/drawing/2014/main" id="{A34F542C-3A60-43B5-BFCF-1F506E8E4136}"/>
+              </a:ext>
+            </a:extLst>
+          </p:cNvPr>
+          <p:cNvSpPr/>
+          <p:nvPr/>
+        </p:nvSpPr>
+        <p:spPr>
+          <a:xfrm>
+            <a:off x="4130679" y="2294747"/>
+            <a:ext cx="785712" cy="677300"/>
+          </a:xfrm>
+          <a:prstGeom prst="ellipse">
+            <a:avLst/>
+          </a:prstGeom>
+          <a:noFill/>
+          <a:ln>
+            <a:solidFill>
+              <a:srgbClr val="FF0000"/>
+            </a:solidFill>
+          </a:ln>
+        </p:spPr>
+        <p:style>
+          <a:lnRef idx="2">
+            <a:schemeClr val="accent1">
+              <a:shade val="50000"/>
+            </a:schemeClr>
+          </a:lnRef>
+          <a:fillRef idx="1">
+            <a:schemeClr val="accent1"/>
+          </a:fillRef>
+          <a:effectRef idx="0">
+            <a:schemeClr val="accent1"/>
+          </a:effectRef>
+          <a:fontRef idx="minor">
+            <a:schemeClr val="lt1"/>
+          </a:fontRef>
+        </p:style>
+        <p:txBody>
+          <a:bodyPr rtlCol="0" anchor="ctr"/>
+          <a:lstStyle/>
+          <a:p>
+            <a:pPr algn="ctr"/>
+            <a:endParaRPr lang="en-GB" dirty="0"/>
+          </a:p>
+        </p:txBody>
+      </p:sp>
     </p:spTree>
     <p:extLst>
       <p:ext uri="{BB962C8B-B14F-4D97-AF65-F5344CB8AC3E}">
